--- a/Parallel Programming in Python Slides.pptx
+++ b/Parallel Programming in Python Slides.pptx
@@ -138,7 +138,7 @@
 <file path=ppt/revisionInfo.xml><?xml version="1.0" encoding="utf-8"?>
 <p1510:revInfo xmlns:a="http://schemas.openxmlformats.org/drawingml/2006/main" xmlns:r="http://schemas.openxmlformats.org/officeDocument/2006/relationships" xmlns:p1510="http://schemas.microsoft.com/office/powerpoint/2015/10/main">
   <p1510:revLst>
-    <p1510:client id="{35200561-3F42-4629-ADAF-CB4870BA263B}" v="2" dt="2025-02-17T10:13:21.895"/>
+    <p1510:client id="{35200561-3F42-4629-ADAF-CB4870BA263B}" v="4" dt="2025-02-17T10:28:24.250"/>
   </p1510:revLst>
 </p1510:revInfo>
 </file>
@@ -148,18 +148,18 @@
   <pc:docChgLst>
     <pc:chgData name="Cooling, Chris" userId="6dcf99c9-2ba5-410a-8445-0893a3d1421f" providerId="ADAL" clId="{35200561-3F42-4629-ADAF-CB4870BA263B}"/>
     <pc:docChg chg="undo custSel addSld delSld modSld">
-      <pc:chgData name="Cooling, Chris" userId="6dcf99c9-2ba5-410a-8445-0893a3d1421f" providerId="ADAL" clId="{35200561-3F42-4629-ADAF-CB4870BA263B}" dt="2025-02-17T10:15:14.866" v="75" actId="47"/>
+      <pc:chgData name="Cooling, Chris" userId="6dcf99c9-2ba5-410a-8445-0893a3d1421f" providerId="ADAL" clId="{35200561-3F42-4629-ADAF-CB4870BA263B}" dt="2025-02-17T10:28:58.025" v="100" actId="113"/>
       <pc:docMkLst>
         <pc:docMk/>
       </pc:docMkLst>
       <pc:sldChg chg="modSp add mod">
-        <pc:chgData name="Cooling, Chris" userId="6dcf99c9-2ba5-410a-8445-0893a3d1421f" providerId="ADAL" clId="{35200561-3F42-4629-ADAF-CB4870BA263B}" dt="2025-02-17T10:12:56.890" v="71" actId="20577"/>
+        <pc:chgData name="Cooling, Chris" userId="6dcf99c9-2ba5-410a-8445-0893a3d1421f" providerId="ADAL" clId="{35200561-3F42-4629-ADAF-CB4870BA263B}" dt="2025-02-17T10:28:01.409" v="91" actId="20577"/>
         <pc:sldMkLst>
           <pc:docMk/>
           <pc:sldMk cId="4254443235" sldId="322"/>
         </pc:sldMkLst>
         <pc:spChg chg="mod">
-          <ac:chgData name="Cooling, Chris" userId="6dcf99c9-2ba5-410a-8445-0893a3d1421f" providerId="ADAL" clId="{35200561-3F42-4629-ADAF-CB4870BA263B}" dt="2025-02-17T10:12:37.398" v="30" actId="20577"/>
+          <ac:chgData name="Cooling, Chris" userId="6dcf99c9-2ba5-410a-8445-0893a3d1421f" providerId="ADAL" clId="{35200561-3F42-4629-ADAF-CB4870BA263B}" dt="2025-02-17T10:28:01.409" v="91" actId="20577"/>
           <ac:spMkLst>
             <pc:docMk/>
             <pc:sldMk cId="4254443235" sldId="322"/>
@@ -181,6 +181,36 @@
           <pc:docMk/>
           <pc:sldMk cId="3212729572" sldId="323"/>
         </pc:sldMkLst>
+      </pc:sldChg>
+      <pc:sldChg chg="addSp modSp">
+        <pc:chgData name="Cooling, Chris" userId="6dcf99c9-2ba5-410a-8445-0893a3d1421f" providerId="ADAL" clId="{35200561-3F42-4629-ADAF-CB4870BA263B}" dt="2025-02-17T10:28:24.250" v="92" actId="767"/>
+        <pc:sldMkLst>
+          <pc:docMk/>
+          <pc:sldMk cId="243918697" sldId="334"/>
+        </pc:sldMkLst>
+        <pc:spChg chg="add mod">
+          <ac:chgData name="Cooling, Chris" userId="6dcf99c9-2ba5-410a-8445-0893a3d1421f" providerId="ADAL" clId="{35200561-3F42-4629-ADAF-CB4870BA263B}" dt="2025-02-17T10:28:24.250" v="92" actId="767"/>
+          <ac:spMkLst>
+            <pc:docMk/>
+            <pc:sldMk cId="243918697" sldId="334"/>
+            <ac:spMk id="4" creationId="{5441AB67-9304-B084-A7F8-165197F1F6E1}"/>
+          </ac:spMkLst>
+        </pc:spChg>
+      </pc:sldChg>
+      <pc:sldChg chg="modSp mod">
+        <pc:chgData name="Cooling, Chris" userId="6dcf99c9-2ba5-410a-8445-0893a3d1421f" providerId="ADAL" clId="{35200561-3F42-4629-ADAF-CB4870BA263B}" dt="2025-02-17T10:28:58.025" v="100" actId="113"/>
+        <pc:sldMkLst>
+          <pc:docMk/>
+          <pc:sldMk cId="16407505" sldId="361"/>
+        </pc:sldMkLst>
+        <pc:spChg chg="mod">
+          <ac:chgData name="Cooling, Chris" userId="6dcf99c9-2ba5-410a-8445-0893a3d1421f" providerId="ADAL" clId="{35200561-3F42-4629-ADAF-CB4870BA263B}" dt="2025-02-17T10:28:58.025" v="100" actId="113"/>
+          <ac:spMkLst>
+            <pc:docMk/>
+            <pc:sldMk cId="16407505" sldId="361"/>
+            <ac:spMk id="3" creationId="{3059243C-26C4-B42B-1D89-75DB3A5CA945}"/>
+          </ac:spMkLst>
+        </pc:spChg>
       </pc:sldChg>
       <pc:sldChg chg="add del">
         <pc:chgData name="Cooling, Chris" userId="6dcf99c9-2ba5-410a-8445-0893a3d1421f" providerId="ADAL" clId="{35200561-3F42-4629-ADAF-CB4870BA263B}" dt="2025-02-17T10:15:14.866" v="75" actId="47"/>
@@ -1183,7 +1213,7 @@
           <a:bodyPr/>
           <a:lstStyle/>
           <a:p>
-            <a:fld id="{17F5FB76-73DC-4064-9AEB-D517D2E1D4DC}" type="datetime1">
+            <a:fld id="{DABADC3E-D2DA-493A-8501-3BF5D48E379E}" type="datetime1">
               <a:rPr lang="en-GB" smtClean="0"/>
               <a:t>17/02/2025</a:t>
             </a:fld>
@@ -1213,8 +1243,8 @@
           <a:lstStyle/>
           <a:p>
             <a:r>
-              <a:rPr lang="en-GB"/>
-              <a:t>Parallel Programming in Python</a:t>
+              <a:rPr lang="en-US"/>
+              <a:t>Introduction to Parallel Programming in Python</a:t>
             </a:r>
             <a:endParaRPr lang="en-GB" dirty="0"/>
           </a:p>
@@ -1509,7 +1539,7 @@
           <a:bodyPr/>
           <a:lstStyle/>
           <a:p>
-            <a:fld id="{5BA95750-C78F-479F-956C-BFF2764D8714}" type="datetime1">
+            <a:fld id="{917D92FE-DCEE-4EBE-A334-92986612DE87}" type="datetime1">
               <a:rPr lang="en-GB" smtClean="0"/>
               <a:t>17/02/2025</a:t>
             </a:fld>
@@ -1539,8 +1569,8 @@
           <a:lstStyle/>
           <a:p>
             <a:r>
-              <a:rPr lang="en-GB"/>
-              <a:t>Parallel Programming in Python</a:t>
+              <a:rPr lang="en-US"/>
+              <a:t>Introduction to Parallel Programming in Python</a:t>
             </a:r>
             <a:endParaRPr lang="en-GB" dirty="0"/>
           </a:p>
@@ -1837,7 +1867,7 @@
           <a:bodyPr/>
           <a:lstStyle/>
           <a:p>
-            <a:fld id="{7901E638-BC45-4F88-B74D-FD3022AE0E03}" type="datetime1">
+            <a:fld id="{7AC9FEEB-D51B-4D71-9BFE-4DDF4782DAAB}" type="datetime1">
               <a:rPr lang="en-GB" smtClean="0"/>
               <a:t>17/02/2025</a:t>
             </a:fld>
@@ -1867,8 +1897,8 @@
           <a:lstStyle/>
           <a:p>
             <a:r>
-              <a:rPr lang="en-GB"/>
-              <a:t>Parallel Programming in Python</a:t>
+              <a:rPr lang="en-US"/>
+              <a:t>Introduction to Parallel Programming in Python</a:t>
             </a:r>
             <a:endParaRPr lang="en-GB" dirty="0"/>
           </a:p>
@@ -2213,7 +2243,7 @@
           <a:bodyPr/>
           <a:lstStyle/>
           <a:p>
-            <a:fld id="{1F51B844-7553-4F0F-898F-E6A79812C868}" type="datetime1">
+            <a:fld id="{A21AD850-CE1B-4C1F-A56B-7DC6C21E3DD8}" type="datetime1">
               <a:rPr lang="en-GB" smtClean="0"/>
               <a:t>17/02/2025</a:t>
             </a:fld>
@@ -2243,9 +2273,10 @@
           <a:lstStyle/>
           <a:p>
             <a:r>
-              <a:rPr lang="en-GB"/>
-              <a:t>Parallel Programming in Python</a:t>
-            </a:r>
+              <a:rPr lang="en-US"/>
+              <a:t>Introduction to Parallel Programming in Python</a:t>
+            </a:r>
+            <a:endParaRPr lang="en-GB"/>
           </a:p>
         </p:txBody>
       </p:sp>
@@ -2596,7 +2627,7 @@
           <a:bodyPr/>
           <a:lstStyle/>
           <a:p>
-            <a:fld id="{23129720-5C3B-4A56-9886-08281CD88F11}" type="datetime1">
+            <a:fld id="{C15599F8-4480-44BC-A716-893E67C2735D}" type="datetime1">
               <a:rPr lang="en-GB" smtClean="0"/>
               <a:t>17/02/2025</a:t>
             </a:fld>
@@ -2626,9 +2657,10 @@
           <a:lstStyle/>
           <a:p>
             <a:r>
-              <a:rPr lang="en-GB"/>
-              <a:t>Parallel Programming in Python</a:t>
-            </a:r>
+              <a:rPr lang="en-US"/>
+              <a:t>Introduction to Parallel Programming in Python</a:t>
+            </a:r>
+            <a:endParaRPr lang="en-GB"/>
           </a:p>
         </p:txBody>
       </p:sp>
@@ -2981,7 +3013,7 @@
           <a:bodyPr/>
           <a:lstStyle/>
           <a:p>
-            <a:fld id="{5D7D0361-1B9E-4BFE-80BD-58DC47A1B5C7}" type="datetime1">
+            <a:fld id="{6F60219F-B161-4F0E-A533-08903C48AB16}" type="datetime1">
               <a:rPr lang="en-GB" smtClean="0"/>
               <a:t>17/02/2025</a:t>
             </a:fld>
@@ -3011,9 +3043,10 @@
           <a:lstStyle/>
           <a:p>
             <a:r>
-              <a:rPr lang="en-GB"/>
-              <a:t>Parallel Programming in Python</a:t>
-            </a:r>
+              <a:rPr lang="en-US"/>
+              <a:t>Introduction to Parallel Programming in Python</a:t>
+            </a:r>
+            <a:endParaRPr lang="en-GB"/>
           </a:p>
         </p:txBody>
       </p:sp>
@@ -3208,7 +3241,7 @@
           <a:bodyPr/>
           <a:lstStyle/>
           <a:p>
-            <a:fld id="{E5AD3588-78A4-441D-ACE6-D8F4941D99F5}" type="datetime1">
+            <a:fld id="{D343765C-B395-445A-BB7D-91633782B26F}" type="datetime1">
               <a:rPr lang="en-GB" smtClean="0"/>
               <a:t>17/02/2025</a:t>
             </a:fld>
@@ -3238,8 +3271,8 @@
           <a:lstStyle/>
           <a:p>
             <a:r>
-              <a:rPr lang="en-GB"/>
-              <a:t>Parallel Programming in Python</a:t>
+              <a:rPr lang="en-US"/>
+              <a:t>Introduction to Parallel Programming in Python</a:t>
             </a:r>
             <a:endParaRPr lang="en-GB" dirty="0"/>
           </a:p>
@@ -3706,7 +3739,7 @@
           <a:bodyPr/>
           <a:lstStyle/>
           <a:p>
-            <a:fld id="{A4B9DCEE-D3B3-49B0-88CB-638A1F2CCFE7}" type="datetime1">
+            <a:fld id="{7DB9A23E-AF96-4287-BE28-1ADB76C94297}" type="datetime1">
               <a:rPr lang="en-GB" smtClean="0"/>
               <a:t>17/02/2025</a:t>
             </a:fld>
@@ -3736,8 +3769,8 @@
           <a:lstStyle/>
           <a:p>
             <a:r>
-              <a:rPr lang="en-GB"/>
-              <a:t>Parallel Programming in Python</a:t>
+              <a:rPr lang="en-US"/>
+              <a:t>Introduction to Parallel Programming in Python</a:t>
             </a:r>
             <a:endParaRPr lang="en-GB" dirty="0"/>
           </a:p>
@@ -4206,7 +4239,7 @@
           <a:bodyPr/>
           <a:lstStyle/>
           <a:p>
-            <a:fld id="{0F07E617-A8BB-456E-95F9-A234984C8168}" type="datetime1">
+            <a:fld id="{BCE028E5-4630-4A49-8CD8-75F4D5CBCCC6}" type="datetime1">
               <a:rPr lang="en-GB" smtClean="0"/>
               <a:t>17/02/2025</a:t>
             </a:fld>
@@ -4236,8 +4269,8 @@
           <a:lstStyle/>
           <a:p>
             <a:r>
-              <a:rPr lang="en-GB"/>
-              <a:t>Parallel Programming in Python</a:t>
+              <a:rPr lang="en-US"/>
+              <a:t>Introduction to Parallel Programming in Python</a:t>
             </a:r>
             <a:endParaRPr lang="en-GB" dirty="0"/>
           </a:p>
@@ -4696,7 +4729,7 @@
           <a:bodyPr/>
           <a:lstStyle/>
           <a:p>
-            <a:fld id="{C74592FB-CC17-4041-A801-F9C6118B97A6}" type="datetime1">
+            <a:fld id="{7711CE83-213E-403F-B9DD-19FD65A588A1}" type="datetime1">
               <a:rPr lang="en-GB" smtClean="0"/>
               <a:t>17/02/2025</a:t>
             </a:fld>
@@ -4726,8 +4759,8 @@
           <a:lstStyle/>
           <a:p>
             <a:r>
-              <a:rPr lang="en-GB"/>
-              <a:t>Parallel Programming in Python</a:t>
+              <a:rPr lang="en-US"/>
+              <a:t>Introduction to Parallel Programming in Python</a:t>
             </a:r>
             <a:endParaRPr lang="en-GB" dirty="0"/>
           </a:p>
@@ -5507,7 +5540,7 @@
           <a:bodyPr/>
           <a:lstStyle/>
           <a:p>
-            <a:fld id="{CF58A1E2-5750-4DC6-9B0E-6A39CE3A856C}" type="datetime1">
+            <a:fld id="{136CEB5B-3393-43ED-8673-03B8DC33DB28}" type="datetime1">
               <a:rPr lang="en-GB" smtClean="0"/>
               <a:t>17/02/2025</a:t>
             </a:fld>
@@ -5537,8 +5570,8 @@
           <a:lstStyle/>
           <a:p>
             <a:r>
-              <a:rPr lang="en-GB"/>
-              <a:t>Parallel Programming in Python</a:t>
+              <a:rPr lang="en-US"/>
+              <a:t>Introduction to Parallel Programming in Python</a:t>
             </a:r>
             <a:endParaRPr lang="en-GB" dirty="0"/>
           </a:p>
@@ -6124,7 +6157,7 @@
           <a:bodyPr/>
           <a:lstStyle/>
           <a:p>
-            <a:fld id="{C3103E85-2E4F-4D6A-BD24-1401A6B1BA90}" type="datetime1">
+            <a:fld id="{7965E0CD-E151-4A33-A2A2-03B2E7CC8BC9}" type="datetime1">
               <a:rPr lang="en-GB" smtClean="0"/>
               <a:t>17/02/2025</a:t>
             </a:fld>
@@ -6154,8 +6187,8 @@
           <a:lstStyle/>
           <a:p>
             <a:r>
-              <a:rPr lang="en-GB"/>
-              <a:t>Parallel Programming in Python</a:t>
+              <a:rPr lang="en-US"/>
+              <a:t>Introduction to Parallel Programming in Python</a:t>
             </a:r>
             <a:endParaRPr lang="en-GB" dirty="0"/>
           </a:p>
@@ -6744,7 +6777,7 @@
           <a:bodyPr/>
           <a:lstStyle/>
           <a:p>
-            <a:fld id="{97805470-173F-4D80-AB45-3CDC78B305B3}" type="datetime1">
+            <a:fld id="{63BE47D8-FCEA-416F-B7B1-01F646113A42}" type="datetime1">
               <a:rPr lang="en-GB" smtClean="0"/>
               <a:t>17/02/2025</a:t>
             </a:fld>
@@ -6774,8 +6807,8 @@
           <a:lstStyle/>
           <a:p>
             <a:r>
-              <a:rPr lang="en-GB"/>
-              <a:t>Parallel Programming in Python</a:t>
+              <a:rPr lang="en-US"/>
+              <a:t>Introduction to Parallel Programming in Python</a:t>
             </a:r>
             <a:endParaRPr lang="en-GB" dirty="0"/>
           </a:p>
@@ -6915,7 +6948,7 @@
           <a:bodyPr/>
           <a:lstStyle/>
           <a:p>
-            <a:fld id="{6EA0A71D-7C0C-4317-9FC7-BB9CED739938}" type="datetime1">
+            <a:fld id="{C92CB672-F5C9-442D-9472-3A64DE84F92F}" type="datetime1">
               <a:rPr lang="en-GB" smtClean="0"/>
               <a:t>17/02/2025</a:t>
             </a:fld>
@@ -6945,8 +6978,8 @@
           <a:lstStyle/>
           <a:p>
             <a:r>
-              <a:rPr lang="en-GB"/>
-              <a:t>Parallel Programming in Python</a:t>
+              <a:rPr lang="en-US"/>
+              <a:t>Introduction to Parallel Programming in Python</a:t>
             </a:r>
             <a:endParaRPr lang="en-GB" dirty="0"/>
           </a:p>
@@ -7088,7 +7121,7 @@
           <a:bodyPr/>
           <a:lstStyle/>
           <a:p>
-            <a:fld id="{6CE17696-B43F-41A3-9A5D-5E67258968D2}" type="datetime1">
+            <a:fld id="{7AC070C0-CAB8-4E6F-B082-BF123D1F5BA2}" type="datetime1">
               <a:rPr lang="en-GB" smtClean="0"/>
               <a:t>17/02/2025</a:t>
             </a:fld>
@@ -7118,8 +7151,8 @@
           <a:lstStyle/>
           <a:p>
             <a:r>
-              <a:rPr lang="en-GB"/>
-              <a:t>Parallel Programming in Python</a:t>
+              <a:rPr lang="en-US"/>
+              <a:t>Introduction to Parallel Programming in Python</a:t>
             </a:r>
             <a:endParaRPr lang="en-GB" dirty="0"/>
           </a:p>
@@ -7267,7 +7300,7 @@
             </a:lvl1pPr>
           </a:lstStyle>
           <a:p>
-            <a:fld id="{526E219B-65CC-4902-AA70-5BAB999E55DF}" type="datetime1">
+            <a:fld id="{7241B20C-921E-48FE-A703-F29C015D579A}" type="datetime1">
               <a:rPr lang="en-GB" smtClean="0"/>
               <a:t>17/02/2025</a:t>
             </a:fld>
@@ -7305,8 +7338,8 @@
           </a:lstStyle>
           <a:p>
             <a:r>
-              <a:rPr lang="en-GB"/>
-              <a:t>Parallel Programming in Python</a:t>
+              <a:rPr lang="en-US"/>
+              <a:t>Introduction to Parallel Programming in Python</a:t>
             </a:r>
             <a:endParaRPr lang="en-GB" dirty="0"/>
           </a:p>
@@ -7461,7 +7494,7 @@
             </a:lvl1pPr>
           </a:lstStyle>
           <a:p>
-            <a:fld id="{7E43C065-C1B4-4D9E-BDE1-FCDF940AEEC9}" type="datetime1">
+            <a:fld id="{20208042-536C-4D8C-90A0-2119E5C233D7}" type="datetime1">
               <a:rPr lang="en-GB" smtClean="0"/>
               <a:t>17/02/2025</a:t>
             </a:fld>
@@ -7499,8 +7532,8 @@
           </a:lstStyle>
           <a:p>
             <a:r>
-              <a:rPr lang="en-GB"/>
-              <a:t>Parallel Programming in Python</a:t>
+              <a:rPr lang="en-US"/>
+              <a:t>Introduction to Parallel Programming in Python</a:t>
             </a:r>
             <a:endParaRPr lang="en-GB" dirty="0"/>
           </a:p>
@@ -7741,7 +7774,7 @@
             </a:lvl1pPr>
           </a:lstStyle>
           <a:p>
-            <a:fld id="{006CF6A8-294F-40FA-A8AB-61A015159BE7}" type="datetime1">
+            <a:fld id="{8AF91EFE-107C-46F7-83A1-FFD667E7E54A}" type="datetime1">
               <a:rPr lang="en-GB" smtClean="0"/>
               <a:t>17/02/2025</a:t>
             </a:fld>
@@ -7779,8 +7812,8 @@
           </a:lstStyle>
           <a:p>
             <a:r>
-              <a:rPr lang="en-GB"/>
-              <a:t>Parallel Programming in Python</a:t>
+              <a:rPr lang="en-US"/>
+              <a:t>Introduction to Parallel Programming in Python</a:t>
             </a:r>
             <a:endParaRPr lang="en-GB" dirty="0"/>
           </a:p>
@@ -8022,7 +8055,7 @@
             </a:lvl1pPr>
           </a:lstStyle>
           <a:p>
-            <a:fld id="{FB2A1BFD-B6B8-4FEB-8A3D-54F287EF962B}" type="datetime1">
+            <a:fld id="{BD7D8B94-1018-4413-B6E0-124BC3467509}" type="datetime1">
               <a:rPr lang="en-GB" smtClean="0"/>
               <a:t>17/02/2025</a:t>
             </a:fld>
@@ -8060,8 +8093,8 @@
           </a:lstStyle>
           <a:p>
             <a:r>
-              <a:rPr lang="en-GB"/>
-              <a:t>Parallel Programming in Python</a:t>
+              <a:rPr lang="en-US"/>
+              <a:t>Introduction to Parallel Programming in Python</a:t>
             </a:r>
             <a:endParaRPr lang="en-GB" dirty="0"/>
           </a:p>
@@ -8302,7 +8335,7 @@
             </a:lvl1pPr>
           </a:lstStyle>
           <a:p>
-            <a:fld id="{32120D36-AAA9-4175-80F8-2D1D4D8791BF}" type="datetime1">
+            <a:fld id="{4575A678-38A5-4559-9323-15C114EB5D99}" type="datetime1">
               <a:rPr lang="en-GB" smtClean="0"/>
               <a:t>17/02/2025</a:t>
             </a:fld>
@@ -8340,8 +8373,8 @@
           </a:lstStyle>
           <a:p>
             <a:r>
-              <a:rPr lang="en-GB"/>
-              <a:t>Parallel Programming in Python</a:t>
+              <a:rPr lang="en-US"/>
+              <a:t>Introduction to Parallel Programming in Python</a:t>
             </a:r>
             <a:endParaRPr lang="en-GB" dirty="0"/>
           </a:p>
@@ -8778,7 +8811,7 @@
             </a:lvl1pPr>
           </a:lstStyle>
           <a:p>
-            <a:fld id="{C51EF45D-CCB1-4F70-8555-787E8F2F1953}" type="datetime1">
+            <a:fld id="{3F3326D5-AD77-4375-BBD9-A0CE57142B61}" type="datetime1">
               <a:rPr lang="en-GB" smtClean="0"/>
               <a:t>17/02/2025</a:t>
             </a:fld>
@@ -8816,8 +8849,8 @@
           </a:lstStyle>
           <a:p>
             <a:r>
-              <a:rPr lang="en-GB"/>
-              <a:t>Parallel Programming in Python</a:t>
+              <a:rPr lang="en-US"/>
+              <a:t>Introduction to Parallel Programming in Python</a:t>
             </a:r>
             <a:endParaRPr lang="en-GB" dirty="0"/>
           </a:p>
@@ -9058,7 +9091,7 @@
             </a:lvl1pPr>
           </a:lstStyle>
           <a:p>
-            <a:fld id="{A26C4D77-9BAA-49F1-B233-02C74EE0BB21}" type="datetime1">
+            <a:fld id="{45105003-67C5-4B3B-968F-E585BF1105C6}" type="datetime1">
               <a:rPr lang="en-GB" smtClean="0"/>
               <a:t>17/02/2025</a:t>
             </a:fld>
@@ -9096,8 +9129,8 @@
           </a:lstStyle>
           <a:p>
             <a:r>
-              <a:rPr lang="en-GB"/>
-              <a:t>Parallel Programming in Python</a:t>
+              <a:rPr lang="en-US"/>
+              <a:t>Introduction to Parallel Programming in Python</a:t>
             </a:r>
             <a:endParaRPr lang="en-GB" dirty="0"/>
           </a:p>
@@ -9338,7 +9371,7 @@
             </a:lvl1pPr>
           </a:lstStyle>
           <a:p>
-            <a:fld id="{CEA3A763-02B9-4B53-8507-2FBEB2A45242}" type="datetime1">
+            <a:fld id="{614C8D5B-C751-4C5C-A0E5-6FAA17E6722E}" type="datetime1">
               <a:rPr lang="en-GB" smtClean="0"/>
               <a:t>17/02/2025</a:t>
             </a:fld>
@@ -9376,8 +9409,8 @@
           </a:lstStyle>
           <a:p>
             <a:r>
-              <a:rPr lang="en-GB"/>
-              <a:t>Parallel Programming in Python</a:t>
+              <a:rPr lang="en-US"/>
+              <a:t>Introduction to Parallel Programming in Python</a:t>
             </a:r>
             <a:endParaRPr lang="en-GB" dirty="0"/>
           </a:p>
@@ -9602,7 +9635,7 @@
           <a:bodyPr/>
           <a:lstStyle/>
           <a:p>
-            <a:fld id="{C198CF3E-9E3B-4833-96D8-F60D9A59E2A1}" type="datetime1">
+            <a:fld id="{1111F10B-E8A1-4BA4-8B68-ED4C88BF6EAE}" type="datetime1">
               <a:rPr lang="en-GB" smtClean="0"/>
               <a:t>17/02/2025</a:t>
             </a:fld>
@@ -9632,8 +9665,8 @@
           <a:lstStyle/>
           <a:p>
             <a:r>
-              <a:rPr lang="en-GB"/>
-              <a:t>Parallel Programming in Python</a:t>
+              <a:rPr lang="en-US"/>
+              <a:t>Introduction to Parallel Programming in Python</a:t>
             </a:r>
             <a:endParaRPr lang="en-GB" dirty="0"/>
           </a:p>
@@ -9990,7 +10023,7 @@
           <a:bodyPr/>
           <a:lstStyle/>
           <a:p>
-            <a:fld id="{C6F47C43-D6FF-48E7-8FE5-812AFD001688}" type="datetime1">
+            <a:fld id="{6A271EC6-A755-481E-A186-58140BAAB9C2}" type="datetime1">
               <a:rPr lang="en-GB" smtClean="0"/>
               <a:t>17/02/2025</a:t>
             </a:fld>
@@ -10020,8 +10053,8 @@
           <a:lstStyle/>
           <a:p>
             <a:r>
-              <a:rPr lang="en-GB"/>
-              <a:t>Parallel Programming in Python</a:t>
+              <a:rPr lang="en-US"/>
+              <a:t>Introduction to Parallel Programming in Python</a:t>
             </a:r>
             <a:endParaRPr lang="en-GB" dirty="0"/>
           </a:p>
@@ -10372,7 +10405,7 @@
           <a:bodyPr/>
           <a:lstStyle/>
           <a:p>
-            <a:fld id="{5BF17279-61F2-4C1A-BDD3-53778F784CC4}" type="datetime1">
+            <a:fld id="{36DCFCF2-35E8-4AE7-B8A8-E023A22927C2}" type="datetime1">
               <a:rPr lang="en-GB" smtClean="0"/>
               <a:t>17/02/2025</a:t>
             </a:fld>
@@ -10402,8 +10435,8 @@
           <a:lstStyle/>
           <a:p>
             <a:r>
-              <a:rPr lang="en-GB"/>
-              <a:t>Parallel Programming in Python</a:t>
+              <a:rPr lang="en-US"/>
+              <a:t>Introduction to Parallel Programming in Python</a:t>
             </a:r>
             <a:endParaRPr lang="en-GB" dirty="0"/>
           </a:p>
@@ -10744,7 +10777,7 @@
           <a:bodyPr/>
           <a:lstStyle/>
           <a:p>
-            <a:fld id="{5D61385E-5B25-451D-B1A3-A1D492A95A17}" type="datetime1">
+            <a:fld id="{5FE005E5-0E97-4E54-A3B7-99BE9AFFA17B}" type="datetime1">
               <a:rPr lang="en-GB" smtClean="0"/>
               <a:t>17/02/2025</a:t>
             </a:fld>
@@ -10774,8 +10807,8 @@
           <a:lstStyle/>
           <a:p>
             <a:r>
-              <a:rPr lang="en-GB"/>
-              <a:t>Parallel Programming in Python</a:t>
+              <a:rPr lang="en-US"/>
+              <a:t>Introduction to Parallel Programming in Python</a:t>
             </a:r>
             <a:endParaRPr lang="en-GB" dirty="0"/>
           </a:p>
@@ -11151,7 +11184,7 @@
           <a:bodyPr/>
           <a:lstStyle/>
           <a:p>
-            <a:fld id="{6FE2E8B5-CB5E-448B-A6B8-A3E5985EB4FA}" type="datetime1">
+            <a:fld id="{1C440C89-29E0-41C0-8072-6058FA9645E9}" type="datetime1">
               <a:rPr lang="en-GB" smtClean="0"/>
               <a:t>17/02/2025</a:t>
             </a:fld>
@@ -11181,8 +11214,8 @@
           <a:lstStyle/>
           <a:p>
             <a:r>
-              <a:rPr lang="en-GB"/>
-              <a:t>Parallel Programming in Python</a:t>
+              <a:rPr lang="en-US"/>
+              <a:t>Introduction to Parallel Programming in Python</a:t>
             </a:r>
             <a:endParaRPr lang="en-GB" dirty="0"/>
           </a:p>
@@ -11560,7 +11593,7 @@
           <a:bodyPr/>
           <a:lstStyle/>
           <a:p>
-            <a:fld id="{1D516F2F-CF4A-4ADA-9070-E880C31DD432}" type="datetime1">
+            <a:fld id="{CCFDC51B-F576-40D6-9826-F50E8975402A}" type="datetime1">
               <a:rPr lang="en-GB" smtClean="0"/>
               <a:t>17/02/2025</a:t>
             </a:fld>
@@ -11590,8 +11623,8 @@
           <a:lstStyle/>
           <a:p>
             <a:r>
-              <a:rPr lang="en-GB"/>
-              <a:t>Parallel Programming in Python</a:t>
+              <a:rPr lang="en-US"/>
+              <a:t>Introduction to Parallel Programming in Python</a:t>
             </a:r>
             <a:endParaRPr lang="en-GB" dirty="0"/>
           </a:p>
@@ -11959,7 +11992,7 @@
           <a:bodyPr/>
           <a:lstStyle/>
           <a:p>
-            <a:fld id="{91A35243-354E-444F-BDCB-68CA93ED60E0}" type="datetime1">
+            <a:fld id="{83DE490A-AB4E-44BC-9A51-846D12BC9A2C}" type="datetime1">
               <a:rPr lang="en-GB" smtClean="0"/>
               <a:t>17/02/2025</a:t>
             </a:fld>
@@ -11989,8 +12022,8 @@
           <a:lstStyle/>
           <a:p>
             <a:r>
-              <a:rPr lang="en-GB"/>
-              <a:t>Parallel Programming in Python</a:t>
+              <a:rPr lang="en-US"/>
+              <a:t>Introduction to Parallel Programming in Python</a:t>
             </a:r>
             <a:endParaRPr lang="en-GB" dirty="0"/>
           </a:p>
@@ -12757,7 +12790,7 @@
           <a:bodyPr/>
           <a:lstStyle/>
           <a:p>
-            <a:fld id="{9171A2F7-EAC2-4720-B6D0-6D624AE38DCE}" type="datetime1">
+            <a:fld id="{F49625EA-C875-40EC-812F-5780CCAEF4AA}" type="datetime1">
               <a:rPr lang="en-GB" smtClean="0"/>
               <a:t>17/02/2025</a:t>
             </a:fld>
@@ -12787,8 +12820,8 @@
           <a:lstStyle/>
           <a:p>
             <a:r>
-              <a:rPr lang="en-GB"/>
-              <a:t>Parallel Programming in Python</a:t>
+              <a:rPr lang="en-US"/>
+              <a:t>Introduction to Parallel Programming in Python</a:t>
             </a:r>
             <a:endParaRPr lang="en-GB" dirty="0"/>
           </a:p>
@@ -13361,7 +13394,7 @@
           <a:bodyPr/>
           <a:lstStyle/>
           <a:p>
-            <a:fld id="{E0A7BECE-6BE6-4ACC-8679-46CF8FFACDB0}" type="datetime1">
+            <a:fld id="{3C09C406-B357-4129-A455-8C86CAA0A02D}" type="datetime1">
               <a:rPr lang="en-GB" smtClean="0"/>
               <a:t>17/02/2025</a:t>
             </a:fld>
@@ -13391,8 +13424,8 @@
           <a:lstStyle/>
           <a:p>
             <a:r>
-              <a:rPr lang="en-GB"/>
-              <a:t>Parallel Programming in Python</a:t>
+              <a:rPr lang="en-US"/>
+              <a:t>Introduction to Parallel Programming in Python</a:t>
             </a:r>
             <a:endParaRPr lang="en-GB" dirty="0"/>
           </a:p>
@@ -13955,7 +13988,7 @@
           <a:bodyPr/>
           <a:lstStyle/>
           <a:p>
-            <a:fld id="{4D8F8E3F-8A62-4F6F-82D2-2A5D33D78C02}" type="datetime1">
+            <a:fld id="{59839C6A-7569-4AEB-A397-9051E9045969}" type="datetime1">
               <a:rPr lang="en-GB" smtClean="0"/>
               <a:t>17/02/2025</a:t>
             </a:fld>
@@ -13985,8 +14018,8 @@
           <a:lstStyle/>
           <a:p>
             <a:r>
-              <a:rPr lang="en-GB"/>
-              <a:t>Parallel Programming in Python</a:t>
+              <a:rPr lang="en-US"/>
+              <a:t>Introduction to Parallel Programming in Python</a:t>
             </a:r>
             <a:endParaRPr lang="en-GB" dirty="0"/>
           </a:p>
@@ -14292,7 +14325,7 @@
           <a:bodyPr/>
           <a:lstStyle/>
           <a:p>
-            <a:fld id="{54C69324-AE59-489E-95DC-0E2980F51184}" type="datetime1">
+            <a:fld id="{28E7FA29-8268-4491-A8F4-837D35EEA7A8}" type="datetime1">
               <a:rPr lang="en-GB" smtClean="0"/>
               <a:t>17/02/2025</a:t>
             </a:fld>
@@ -14322,8 +14355,8 @@
           <a:lstStyle/>
           <a:p>
             <a:r>
-              <a:rPr lang="en-GB"/>
-              <a:t>Parallel Programming in Python</a:t>
+              <a:rPr lang="en-US"/>
+              <a:t>Introduction to Parallel Programming in Python</a:t>
             </a:r>
             <a:endParaRPr lang="en-GB" dirty="0"/>
           </a:p>
@@ -14631,7 +14664,7 @@
           <a:bodyPr/>
           <a:lstStyle/>
           <a:p>
-            <a:fld id="{DBF57BD9-8082-4C87-94C3-516D6BD33A70}" type="datetime1">
+            <a:fld id="{90113DAD-9836-412E-8FC7-CD0764669967}" type="datetime1">
               <a:rPr lang="en-GB" smtClean="0"/>
               <a:t>17/02/2025</a:t>
             </a:fld>
@@ -14661,8 +14694,8 @@
           <a:lstStyle/>
           <a:p>
             <a:r>
-              <a:rPr lang="en-GB"/>
-              <a:t>Parallel Programming in Python</a:t>
+              <a:rPr lang="en-US"/>
+              <a:t>Introduction to Parallel Programming in Python</a:t>
             </a:r>
             <a:endParaRPr lang="en-GB" dirty="0"/>
           </a:p>
@@ -14960,7 +14993,7 @@
           <a:bodyPr/>
           <a:lstStyle/>
           <a:p>
-            <a:fld id="{405A38C0-3F6B-4FFB-ACE8-7DBC13E0B93B}" type="datetime1">
+            <a:fld id="{7153B6F1-AEE6-442A-B141-1E86D43F003A}" type="datetime1">
               <a:rPr lang="en-GB" smtClean="0"/>
               <a:t>17/02/2025</a:t>
             </a:fld>
@@ -14990,8 +15023,8 @@
           <a:lstStyle/>
           <a:p>
             <a:r>
-              <a:rPr lang="en-GB"/>
-              <a:t>Parallel Programming in Python</a:t>
+              <a:rPr lang="en-US"/>
+              <a:t>Introduction to Parallel Programming in Python</a:t>
             </a:r>
             <a:endParaRPr lang="en-GB" dirty="0"/>
           </a:p>
@@ -15297,7 +15330,7 @@
           <a:bodyPr/>
           <a:lstStyle/>
           <a:p>
-            <a:fld id="{7EC4BD20-EEB8-4800-B857-AE370B996BA1}" type="datetime1">
+            <a:fld id="{E90F1D13-E7E9-4BF7-92BE-67A592DDA1E6}" type="datetime1">
               <a:rPr lang="en-GB" smtClean="0"/>
               <a:t>17/02/2025</a:t>
             </a:fld>
@@ -15327,8 +15360,8 @@
           <a:lstStyle/>
           <a:p>
             <a:r>
-              <a:rPr lang="en-GB"/>
-              <a:t>Parallel Programming in Python</a:t>
+              <a:rPr lang="en-US"/>
+              <a:t>Introduction to Parallel Programming in Python</a:t>
             </a:r>
             <a:endParaRPr lang="en-GB" dirty="0"/>
           </a:p>
@@ -15636,7 +15669,7 @@
           <a:bodyPr/>
           <a:lstStyle/>
           <a:p>
-            <a:fld id="{EC286A02-3DE1-4E62-ABC5-E098C4522625}" type="datetime1">
+            <a:fld id="{F20F7650-52C1-45D7-9783-1B632DECD8C7}" type="datetime1">
               <a:rPr lang="en-GB" smtClean="0"/>
               <a:t>17/02/2025</a:t>
             </a:fld>
@@ -15666,8 +15699,8 @@
           <a:lstStyle/>
           <a:p>
             <a:r>
-              <a:rPr lang="en-GB"/>
-              <a:t>Parallel Programming in Python</a:t>
+              <a:rPr lang="en-US"/>
+              <a:t>Introduction to Parallel Programming in Python</a:t>
             </a:r>
             <a:endParaRPr lang="en-GB" dirty="0"/>
           </a:p>
@@ -15965,7 +15998,7 @@
           <a:bodyPr/>
           <a:lstStyle/>
           <a:p>
-            <a:fld id="{BA3FF1D0-2C7B-462E-BFD4-3BC59923CA67}" type="datetime1">
+            <a:fld id="{706E6634-9697-470B-A866-7A3A7553D5F1}" type="datetime1">
               <a:rPr lang="en-GB" smtClean="0"/>
               <a:t>17/02/2025</a:t>
             </a:fld>
@@ -15995,8 +16028,8 @@
           <a:lstStyle/>
           <a:p>
             <a:r>
-              <a:rPr lang="en-GB"/>
-              <a:t>Parallel Programming in Python</a:t>
+              <a:rPr lang="en-US"/>
+              <a:t>Introduction to Parallel Programming in Python</a:t>
             </a:r>
             <a:endParaRPr lang="en-GB" dirty="0"/>
           </a:p>
@@ -16203,7 +16236,7 @@
           <a:bodyPr/>
           <a:lstStyle/>
           <a:p>
-            <a:fld id="{D28516EA-440F-43A7-A5F6-8BBA0E578F7F}" type="datetime1">
+            <a:fld id="{C1FC16FB-0B57-4AD4-9A6E-9C9E2AB17266}" type="datetime1">
               <a:rPr lang="en-GB" smtClean="0"/>
               <a:t>17/02/2025</a:t>
             </a:fld>
@@ -16233,8 +16266,8 @@
           <a:lstStyle/>
           <a:p>
             <a:r>
-              <a:rPr lang="en-GB"/>
-              <a:t>Parallel Programming in Python</a:t>
+              <a:rPr lang="en-US"/>
+              <a:t>Introduction to Parallel Programming in Python</a:t>
             </a:r>
             <a:endParaRPr lang="en-GB" dirty="0"/>
           </a:p>
@@ -16639,7 +16672,7 @@
           <a:bodyPr/>
           <a:lstStyle/>
           <a:p>
-            <a:fld id="{AFB505AE-FC9C-4EE7-A910-81529D2C7BC8}" type="datetime1">
+            <a:fld id="{8E6710B1-4110-4C9F-8D4B-EE28136D117F}" type="datetime1">
               <a:rPr lang="en-GB" smtClean="0"/>
               <a:t>17/02/2025</a:t>
             </a:fld>
@@ -16669,8 +16702,8 @@
           <a:lstStyle/>
           <a:p>
             <a:r>
-              <a:rPr lang="en-GB"/>
-              <a:t>Parallel Programming in Python</a:t>
+              <a:rPr lang="en-US"/>
+              <a:t>Introduction to Parallel Programming in Python</a:t>
             </a:r>
             <a:endParaRPr lang="en-GB" dirty="0"/>
           </a:p>
@@ -17177,7 +17210,7 @@
           <a:bodyPr/>
           <a:lstStyle/>
           <a:p>
-            <a:fld id="{333E7EAB-4D1A-4DAA-ADF4-B0E83BA55041}" type="datetime1">
+            <a:fld id="{3B31D3C1-F82F-4CB8-A70E-D239E02CC7BD}" type="datetime1">
               <a:rPr lang="en-GB" smtClean="0"/>
               <a:t>17/02/2025</a:t>
             </a:fld>
@@ -17207,8 +17240,8 @@
           <a:lstStyle/>
           <a:p>
             <a:r>
-              <a:rPr lang="en-GB"/>
-              <a:t>Parallel Programming in Python</a:t>
+              <a:rPr lang="en-US"/>
+              <a:t>Introduction to Parallel Programming in Python</a:t>
             </a:r>
             <a:endParaRPr lang="en-GB" dirty="0"/>
           </a:p>
@@ -17456,7 +17489,7 @@
           <a:bodyPr/>
           <a:lstStyle/>
           <a:p>
-            <a:fld id="{22511B5C-27A5-49B1-A96C-6BFE696E8414}" type="datetime1">
+            <a:fld id="{13582DD9-85A1-4017-BC8B-D6D9E91FD40F}" type="datetime1">
               <a:rPr lang="en-GB" smtClean="0"/>
               <a:t>17/02/2025</a:t>
             </a:fld>
@@ -17486,8 +17519,8 @@
           <a:lstStyle/>
           <a:p>
             <a:r>
-              <a:rPr lang="en-GB"/>
-              <a:t>Parallel Programming in Python</a:t>
+              <a:rPr lang="en-US"/>
+              <a:t>Introduction to Parallel Programming in Python</a:t>
             </a:r>
             <a:endParaRPr lang="en-GB" dirty="0"/>
           </a:p>
@@ -17741,7 +17774,7 @@
           <a:bodyPr/>
           <a:lstStyle/>
           <a:p>
-            <a:fld id="{80EA902C-980A-4F54-9A34-1B5DE57B1605}" type="datetime1">
+            <a:fld id="{C5A3CB9B-296D-4776-8BD2-9B69131702C8}" type="datetime1">
               <a:rPr lang="en-GB" smtClean="0"/>
               <a:t>17/02/2025</a:t>
             </a:fld>
@@ -17771,8 +17804,8 @@
           <a:lstStyle/>
           <a:p>
             <a:r>
-              <a:rPr lang="en-GB"/>
-              <a:t>Parallel Programming in Python</a:t>
+              <a:rPr lang="en-US"/>
+              <a:t>Introduction to Parallel Programming in Python</a:t>
             </a:r>
             <a:endParaRPr lang="en-GB" dirty="0"/>
           </a:p>
@@ -18034,7 +18067,7 @@
             </a:lvl1pPr>
           </a:lstStyle>
           <a:p>
-            <a:fld id="{36E1EB64-9E3C-4645-9565-B6302D44FE22}" type="datetime1">
+            <a:fld id="{0870C1F9-82A7-4694-BC95-9765B9ADFAA5}" type="datetime1">
               <a:rPr lang="en-GB" smtClean="0"/>
               <a:t>17/02/2025</a:t>
             </a:fld>
@@ -18072,8 +18105,8 @@
           </a:lstStyle>
           <a:p>
             <a:r>
-              <a:rPr lang="en-GB"/>
-              <a:t>Parallel Programming in Python</a:t>
+              <a:rPr lang="en-US"/>
+              <a:t>Introduction to Parallel Programming in Python</a:t>
             </a:r>
             <a:endParaRPr lang="en-GB" dirty="0"/>
           </a:p>
@@ -18451,7 +18484,7 @@
             </a:lvl1pPr>
           </a:lstStyle>
           <a:p>
-            <a:fld id="{8F007821-44E8-43D3-B662-3C117577404F}" type="datetime1">
+            <a:fld id="{56035B73-EA03-4DE1-829C-24B16FADC510}" type="datetime1">
               <a:rPr lang="en-GB" smtClean="0"/>
               <a:t>17/02/2025</a:t>
             </a:fld>
@@ -18499,8 +18532,8 @@
           </a:lstStyle>
           <a:p>
             <a:r>
-              <a:rPr lang="en-GB"/>
-              <a:t>Parallel Programming in Python</a:t>
+              <a:rPr lang="en-US"/>
+              <a:t>Introduction to Parallel Programming in Python</a:t>
             </a:r>
             <a:endParaRPr lang="en-GB" dirty="0"/>
           </a:p>
@@ -19050,7 +19083,7 @@
           <a:p>
             <a:r>
               <a:rPr lang="en-US" dirty="0"/>
-              <a:t>Parallel Programming in Python</a:t>
+              <a:t>Introduction to Parallel Programming in Python</a:t>
             </a:r>
           </a:p>
         </p:txBody>
@@ -19242,7 +19275,7 @@
           <a:bodyPr/>
           <a:lstStyle/>
           <a:p>
-            <a:fld id="{ABDAD17C-71E1-4EC1-A6EF-1AF3808039DE}" type="datetime1">
+            <a:fld id="{2B536CB7-DFEA-4F98-ABD3-A1969468ED80}" type="datetime1">
               <a:rPr lang="en-GB" smtClean="0"/>
               <a:t>17/02/2025</a:t>
             </a:fld>
@@ -19277,8 +19310,8 @@
           <a:lstStyle/>
           <a:p>
             <a:r>
-              <a:rPr lang="en-GB"/>
-              <a:t>Parallel Programming in Python</a:t>
+              <a:rPr lang="en-US"/>
+              <a:t>Introduction to Parallel Programming in Python</a:t>
             </a:r>
             <a:endParaRPr lang="en-GB" dirty="0"/>
           </a:p>
@@ -19316,6 +19349,47 @@
               <a:t>2</a:t>
             </a:fld>
             <a:endParaRPr lang="en-GB"/>
+          </a:p>
+        </p:txBody>
+      </p:sp>
+      <p:sp>
+        <p:nvSpPr>
+          <p:cNvPr id="4" name="TextBox 3">
+            <a:extLst>
+              <a:ext uri="{FF2B5EF4-FFF2-40B4-BE49-F238E27FC236}">
+                <a16:creationId xmlns:a16="http://schemas.microsoft.com/office/drawing/2014/main" id="{5441AB67-9304-B084-A7F8-165197F1F6E1}"/>
+              </a:ext>
+            </a:extLst>
+          </p:cNvPr>
+          <p:cNvSpPr txBox="1"/>
+          <p:nvPr/>
+        </p:nvSpPr>
+        <p:spPr>
+          <a:xfrm>
+            <a:off x="5936457" y="7307705"/>
+            <a:ext cx="914400" cy="914400"/>
+          </a:xfrm>
+          <a:prstGeom prst="rect">
+            <a:avLst/>
+          </a:prstGeom>
+          <a:noFill/>
+        </p:spPr>
+        <p:txBody>
+          <a:bodyPr wrap="none" lIns="0" tIns="0" rIns="0" bIns="0" rtlCol="0">
+            <a:noAutofit/>
+          </a:bodyPr>
+          <a:lstStyle/>
+          <a:p>
+            <a:pPr algn="l">
+              <a:lnSpc>
+                <a:spcPct val="105000"/>
+              </a:lnSpc>
+            </a:pPr>
+            <a:endParaRPr lang="en-GB" sz="1600" dirty="0">
+              <a:solidFill>
+                <a:schemeClr val="tx1"/>
+              </a:solidFill>
+            </a:endParaRPr>
           </a:p>
         </p:txBody>
       </p:sp>
@@ -19419,22 +19493,22 @@
               <a:buChar char="•"/>
             </a:pPr>
             <a:r>
-              <a:rPr lang="en-GB" sz="3600" b="1" dirty="0">
+              <a:rPr lang="en-US" sz="3600" b="1" dirty="0">
                 <a:effectLst/>
                 <a:latin typeface="Arial" panose="020B0604020202020204" pitchFamily="34" charset="0"/>
                 <a:ea typeface="Calibri" panose="020F0502020204030204" pitchFamily="34" charset="0"/>
                 <a:cs typeface="Arial" panose="020B0604020202020204" pitchFamily="34" charset="0"/>
               </a:rPr>
-              <a:t>Define</a:t>
-            </a:r>
-            <a:r>
-              <a:rPr lang="en-GB" sz="3600" dirty="0">
+              <a:t>Understand</a:t>
+            </a:r>
+            <a:r>
+              <a:rPr lang="en-US" sz="3600" dirty="0">
                 <a:effectLst/>
                 <a:latin typeface="Arial" panose="020B0604020202020204" pitchFamily="34" charset="0"/>
                 <a:ea typeface="Calibri" panose="020F0502020204030204" pitchFamily="34" charset="0"/>
                 <a:cs typeface="Arial" panose="020B0604020202020204" pitchFamily="34" charset="0"/>
               </a:rPr>
-              <a:t> objects and classes in relation to Python</a:t>
+              <a:t> the basics of how parallel computing works</a:t>
             </a:r>
           </a:p>
           <a:p>
@@ -19446,22 +19520,22 @@
               <a:buChar char="•"/>
             </a:pPr>
             <a:r>
-              <a:rPr lang="en-GB" sz="3600" b="1" dirty="0">
+              <a:rPr lang="en-US" sz="3600" b="1" dirty="0">
                 <a:effectLst/>
                 <a:latin typeface="Arial" panose="020B0604020202020204" pitchFamily="34" charset="0"/>
                 <a:ea typeface="Calibri" panose="020F0502020204030204" pitchFamily="34" charset="0"/>
                 <a:cs typeface="Arial" panose="020B0604020202020204" pitchFamily="34" charset="0"/>
               </a:rPr>
-              <a:t>Use</a:t>
-            </a:r>
-            <a:r>
-              <a:rPr lang="en-GB" sz="3600" dirty="0">
+              <a:t>Judge</a:t>
+            </a:r>
+            <a:r>
+              <a:rPr lang="en-US" sz="3600" dirty="0">
                 <a:effectLst/>
                 <a:latin typeface="Arial" panose="020B0604020202020204" pitchFamily="34" charset="0"/>
                 <a:ea typeface="Calibri" panose="020F0502020204030204" pitchFamily="34" charset="0"/>
                 <a:cs typeface="Arial" panose="020B0604020202020204" pitchFamily="34" charset="0"/>
               </a:rPr>
-              <a:t> key object-oriented features of Python</a:t>
+              <a:t> when it’s appropriate to use different parallel programming techniques</a:t>
             </a:r>
           </a:p>
           <a:p>
@@ -19473,22 +19547,22 @@
               <a:buChar char="•"/>
             </a:pPr>
             <a:r>
-              <a:rPr lang="en-GB" sz="3600" b="1" dirty="0">
+              <a:rPr lang="en-US" sz="3600" b="1" dirty="0">
                 <a:effectLst/>
                 <a:latin typeface="Arial" panose="020B0604020202020204" pitchFamily="34" charset="0"/>
                 <a:ea typeface="Calibri" panose="020F0502020204030204" pitchFamily="34" charset="0"/>
                 <a:cs typeface="Arial" panose="020B0604020202020204" pitchFamily="34" charset="0"/>
               </a:rPr>
-              <a:t>Create</a:t>
-            </a:r>
-            <a:r>
-              <a:rPr lang="en-GB" sz="3600" dirty="0">
+              <a:t>Use</a:t>
+            </a:r>
+            <a:r>
+              <a:rPr lang="en-US" sz="3600" dirty="0">
                 <a:effectLst/>
                 <a:latin typeface="Arial" panose="020B0604020202020204" pitchFamily="34" charset="0"/>
                 <a:ea typeface="Calibri" panose="020F0502020204030204" pitchFamily="34" charset="0"/>
                 <a:cs typeface="Arial" panose="020B0604020202020204" pitchFamily="34" charset="0"/>
               </a:rPr>
-              <a:t> classes tailored to the task they are to perform</a:t>
+              <a:t> the basics of a selection of parallel processing libraries in Python</a:t>
             </a:r>
           </a:p>
           <a:p>
@@ -19500,22 +19574,22 @@
               <a:buChar char="•"/>
             </a:pPr>
             <a:r>
-              <a:rPr lang="en-GB" sz="3600" b="1" dirty="0">
+              <a:rPr lang="en-US" sz="3600" b="1" dirty="0">
                 <a:effectLst/>
                 <a:latin typeface="Arial" panose="020B0604020202020204" pitchFamily="34" charset="0"/>
                 <a:ea typeface="Calibri" panose="020F0502020204030204" pitchFamily="34" charset="0"/>
                 <a:cs typeface="Arial" panose="020B0604020202020204" pitchFamily="34" charset="0"/>
               </a:rPr>
-              <a:t>Utilise </a:t>
-            </a:r>
-            <a:r>
-              <a:rPr lang="en-GB" sz="3600" dirty="0">
+              <a:t>Apply</a:t>
+            </a:r>
+            <a:r>
+              <a:rPr lang="en-US" sz="3600" dirty="0">
                 <a:effectLst/>
                 <a:latin typeface="Arial" panose="020B0604020202020204" pitchFamily="34" charset="0"/>
                 <a:ea typeface="Calibri" panose="020F0502020204030204" pitchFamily="34" charset="0"/>
                 <a:cs typeface="Arial" panose="020B0604020202020204" pitchFamily="34" charset="0"/>
               </a:rPr>
-              <a:t>object-oriented strategies to plan and develop research codes</a:t>
+              <a:t> the basics of parallel programming to simple practical problems</a:t>
             </a:r>
             <a:endParaRPr lang="en-GB" sz="3600" dirty="0">
               <a:latin typeface="Arial" panose="020B0604020202020204" pitchFamily="34" charset="0"/>
@@ -19550,7 +19624,7 @@
           <a:bodyPr/>
           <a:lstStyle/>
           <a:p>
-            <a:fld id="{E0F24D1A-C987-451F-AE24-C73B56B1D250}" type="datetime1">
+            <a:fld id="{FEBF4202-0BFC-4E93-9747-302E53398C05}" type="datetime1">
               <a:rPr lang="en-GB" smtClean="0"/>
               <a:t>17/02/2025</a:t>
             </a:fld>
@@ -19585,8 +19659,8 @@
           <a:lstStyle/>
           <a:p>
             <a:r>
-              <a:rPr lang="en-GB"/>
-              <a:t>Parallel Programming in Python</a:t>
+              <a:rPr lang="en-US" dirty="0"/>
+              <a:t>Introduction to Parallel Programming in Python</a:t>
             </a:r>
             <a:endParaRPr lang="en-GB" dirty="0"/>
           </a:p>
@@ -19886,7 +19960,7 @@
           <a:bodyPr/>
           <a:lstStyle/>
           <a:p>
-            <a:fld id="{4CECC08E-AA65-49A0-AD2A-2ED93679079B}" type="datetime1">
+            <a:fld id="{C284F42F-B3C5-4742-A627-7F087B8E4AF0}" type="datetime1">
               <a:rPr lang="en-GB" smtClean="0"/>
               <a:t>17/02/2025</a:t>
             </a:fld>
@@ -19921,8 +19995,8 @@
           <a:lstStyle/>
           <a:p>
             <a:r>
-              <a:rPr lang="en-GB"/>
-              <a:t>Parallel Programming in Python</a:t>
+              <a:rPr lang="en-US"/>
+              <a:t>Introduction to Parallel Programming in Python</a:t>
             </a:r>
             <a:endParaRPr lang="en-GB" dirty="0"/>
           </a:p>
@@ -20052,7 +20126,7 @@
           <a:bodyPr/>
           <a:lstStyle/>
           <a:p>
-            <a:fld id="{6293099E-D862-4AD2-B86C-31439E0CCC55}" type="datetime1">
+            <a:fld id="{D039B8C1-37D9-4E65-816B-25E546F8DA5B}" type="datetime1">
               <a:rPr lang="en-GB" smtClean="0"/>
               <a:t>17/02/2025</a:t>
             </a:fld>
@@ -20082,8 +20156,8 @@
           <a:lstStyle/>
           <a:p>
             <a:r>
-              <a:rPr lang="en-GB"/>
-              <a:t>Parallel Programming in Python</a:t>
+              <a:rPr lang="en-US"/>
+              <a:t>Introduction to Parallel Programming in Python</a:t>
             </a:r>
             <a:endParaRPr lang="en-GB" dirty="0"/>
           </a:p>

--- a/Parallel Programming in Python Slides.pptx
+++ b/Parallel Programming in Python Slides.pptx
@@ -138,7 +138,7 @@
 <file path=ppt/revisionInfo.xml><?xml version="1.0" encoding="utf-8"?>
 <p1510:revInfo xmlns:a="http://schemas.openxmlformats.org/drawingml/2006/main" xmlns:r="http://schemas.openxmlformats.org/officeDocument/2006/relationships" xmlns:p1510="http://schemas.microsoft.com/office/powerpoint/2015/10/main">
   <p1510:revLst>
-    <p1510:client id="{35200561-3F42-4629-ADAF-CB4870BA263B}" v="4" dt="2025-02-17T10:28:24.250"/>
+    <p1510:client id="{35200561-3F42-4629-ADAF-CB4870BA263B}" v="5" dt="2025-02-17T10:48:48.164"/>
   </p1510:revLst>
 </p1510:revInfo>
 </file>
